--- a/图/第三章-优化分析/大文件传输与断点续传01.pptx
+++ b/图/第三章-优化分析/大文件传输与断点续传01.pptx
@@ -7,6 +7,7 @@
   <p:sldIdLst>
     <p:sldId id="256" r:id="rId2"/>
     <p:sldId id="257" r:id="rId3"/>
+    <p:sldId id="258" r:id="rId4"/>
   </p:sldIdLst>
   <p:sldSz cx="12192000" cy="6858000"/>
   <p:notesSz cx="6858000" cy="9144000"/>
@@ -105,6 +106,11 @@
       </a:defRPr>
     </a:lvl9pPr>
   </p:defaultTextStyle>
+  <p:extLst>
+    <p:ext uri="{EFAFB233-063F-42B5-8137-9DF3F51BA10A}">
+      <p15:sldGuideLst xmlns:p15="http://schemas.microsoft.com/office/powerpoint/2012/main"/>
+    </p:ext>
+  </p:extLst>
 </p:presentation>
 </file>
 
@@ -3952,6 +3958,13 @@
   <p:clrMapOvr>
     <a:masterClrMapping/>
   </p:clrMapOvr>
+  <p:timing>
+    <p:tnLst>
+      <p:par>
+        <p:cTn id="1" dur="indefinite" restart="never" nodeType="tmRoot"/>
+      </p:par>
+    </p:tnLst>
+  </p:timing>
 </p:sld>
 </file>
 
@@ -3994,7 +4007,7 @@
         </p:blipFill>
         <p:spPr>
           <a:xfrm>
-            <a:off x="9349839" y="2363188"/>
+            <a:off x="8353556" y="3511754"/>
             <a:ext cx="1492332" cy="1176160"/>
           </a:xfrm>
           <a:prstGeom prst="rect">
@@ -4024,7 +4037,7 @@
         </p:blipFill>
         <p:spPr>
           <a:xfrm>
-            <a:off x="6233709" y="2368216"/>
+            <a:off x="5297360" y="2363187"/>
             <a:ext cx="1322690" cy="1171132"/>
           </a:xfrm>
           <a:prstGeom prst="rect">
@@ -4034,7 +4047,7 @@
       </p:pic>
       <p:pic>
         <p:nvPicPr>
-          <p:cNvPr id="6" name="图片 5"/>
+          <p:cNvPr id="44" name="Picture 43"/>
           <p:cNvPicPr>
             <a:picLocks noChangeAspect="1"/>
           </p:cNvPicPr>
@@ -4053,18 +4066,55 @@
           </a:stretch>
         </p:blipFill>
         <p:spPr>
-          <a:xfrm>
-            <a:off x="2814801" y="688768"/>
-            <a:ext cx="869210" cy="870424"/>
+          <a:xfrm flipH="1">
+            <a:off x="2082785" y="2361360"/>
+            <a:ext cx="1253801" cy="1172959"/>
           </a:xfrm>
           <a:prstGeom prst="rect">
             <a:avLst/>
           </a:prstGeom>
         </p:spPr>
       </p:pic>
+      <p:cxnSp>
+        <p:nvCxnSpPr>
+          <p:cNvPr id="46" name="Straight Arrow Connector 45"/>
+          <p:cNvCxnSpPr/>
+          <p:nvPr/>
+        </p:nvCxnSpPr>
+        <p:spPr>
+          <a:xfrm>
+            <a:off x="3464923" y="2667008"/>
+            <a:ext cx="1795403" cy="0"/>
+          </a:xfrm>
+          <a:prstGeom prst="straightConnector1">
+            <a:avLst/>
+          </a:prstGeom>
+          <a:ln w="47625">
+            <a:solidFill>
+              <a:schemeClr val="tx1"/>
+            </a:solidFill>
+            <a:prstDash val="dash"/>
+            <a:tailEnd type="triangle"/>
+          </a:ln>
+        </p:spPr>
+        <p:style>
+          <a:lnRef idx="1">
+            <a:schemeClr val="accent1"/>
+          </a:lnRef>
+          <a:fillRef idx="0">
+            <a:schemeClr val="accent1"/>
+          </a:fillRef>
+          <a:effectRef idx="0">
+            <a:schemeClr val="accent1"/>
+          </a:effectRef>
+          <a:fontRef idx="minor">
+            <a:schemeClr val="tx1"/>
+          </a:fontRef>
+        </p:style>
+      </p:cxnSp>
       <p:pic>
         <p:nvPicPr>
-          <p:cNvPr id="7" name="图片 6"/>
+          <p:cNvPr id="48" name="图片 6"/>
           <p:cNvPicPr>
             <a:picLocks noChangeAspect="1"/>
           </p:cNvPicPr>
@@ -4083,18 +4133,55 @@
           </a:stretch>
         </p:blipFill>
         <p:spPr>
-          <a:xfrm>
-            <a:off x="2813587" y="2012126"/>
-            <a:ext cx="870424" cy="870424"/>
+          <a:xfrm flipH="1">
+            <a:off x="5551094" y="4852538"/>
+            <a:ext cx="1085782" cy="1195754"/>
           </a:xfrm>
           <a:prstGeom prst="rect">
             <a:avLst/>
           </a:prstGeom>
         </p:spPr>
       </p:pic>
+      <p:cxnSp>
+        <p:nvCxnSpPr>
+          <p:cNvPr id="50" name="Straight Arrow Connector 49"/>
+          <p:cNvCxnSpPr/>
+          <p:nvPr/>
+        </p:nvCxnSpPr>
+        <p:spPr>
+          <a:xfrm>
+            <a:off x="5841974" y="4025687"/>
+            <a:ext cx="0" cy="749030"/>
+          </a:xfrm>
+          <a:prstGeom prst="straightConnector1">
+            <a:avLst/>
+          </a:prstGeom>
+          <a:ln w="47625">
+            <a:solidFill>
+              <a:schemeClr val="tx1"/>
+            </a:solidFill>
+            <a:prstDash val="dash"/>
+            <a:tailEnd type="triangle"/>
+          </a:ln>
+        </p:spPr>
+        <p:style>
+          <a:lnRef idx="1">
+            <a:schemeClr val="accent1"/>
+          </a:lnRef>
+          <a:fillRef idx="0">
+            <a:schemeClr val="accent1"/>
+          </a:fillRef>
+          <a:effectRef idx="0">
+            <a:schemeClr val="accent1"/>
+          </a:effectRef>
+          <a:fontRef idx="minor">
+            <a:schemeClr val="tx1"/>
+          </a:fontRef>
+        </p:style>
+      </p:cxnSp>
       <p:pic>
         <p:nvPicPr>
-          <p:cNvPr id="8" name="图片 7"/>
+          <p:cNvPr id="51" name="Picture 50"/>
           <p:cNvPicPr>
             <a:picLocks noChangeAspect="1"/>
           </p:cNvPicPr>
@@ -4114,44 +4201,874 @@
         </p:blipFill>
         <p:spPr>
           <a:xfrm>
-            <a:off x="2735107" y="3504929"/>
-            <a:ext cx="948904" cy="948904"/>
+            <a:off x="8543803" y="1726784"/>
+            <a:ext cx="1111839" cy="1113195"/>
           </a:xfrm>
           <a:prstGeom prst="rect">
             <a:avLst/>
           </a:prstGeom>
         </p:spPr>
       </p:pic>
-      <p:pic>
-        <p:nvPicPr>
-          <p:cNvPr id="9" name="图片 8"/>
-          <p:cNvPicPr>
-            <a:picLocks noChangeAspect="1"/>
-          </p:cNvPicPr>
+      <p:cxnSp>
+        <p:nvCxnSpPr>
+          <p:cNvPr id="54" name="Straight Arrow Connector 53"/>
+          <p:cNvCxnSpPr/>
           <p:nvPr/>
-        </p:nvPicPr>
-        <p:blipFill>
-          <a:blip r:embed="rId7">
-            <a:extLst>
-              <a:ext uri="{28A0092B-C50C-407E-A947-70E740481C1C}">
-                <a14:useLocalDpi xmlns:a14="http://schemas.microsoft.com/office/drawing/2010/main" val="0"/>
-              </a:ext>
-            </a:extLst>
-          </a:blip>
-          <a:stretch>
-            <a:fillRect/>
-          </a:stretch>
-        </p:blipFill>
-        <p:spPr>
-          <a:xfrm>
-            <a:off x="2705953" y="5042735"/>
-            <a:ext cx="1085692" cy="1085692"/>
+        </p:nvCxnSpPr>
+        <p:spPr>
+          <a:xfrm flipH="1" flipV="1">
+            <a:off x="6253013" y="4010812"/>
+            <a:ext cx="3857" cy="745334"/>
+          </a:xfrm>
+          <a:prstGeom prst="straightConnector1">
+            <a:avLst/>
+          </a:prstGeom>
+          <a:ln w="47625">
+            <a:solidFill>
+              <a:schemeClr val="tx1"/>
+            </a:solidFill>
+            <a:prstDash val="dash"/>
+            <a:tailEnd type="triangle"/>
+          </a:ln>
+        </p:spPr>
+        <p:style>
+          <a:lnRef idx="1">
+            <a:schemeClr val="accent1"/>
+          </a:lnRef>
+          <a:fillRef idx="0">
+            <a:schemeClr val="accent1"/>
+          </a:fillRef>
+          <a:effectRef idx="0">
+            <a:schemeClr val="accent1"/>
+          </a:effectRef>
+          <a:fontRef idx="minor">
+            <a:schemeClr val="tx1"/>
+          </a:fontRef>
+        </p:style>
+      </p:cxnSp>
+      <p:cxnSp>
+        <p:nvCxnSpPr>
+          <p:cNvPr id="59" name="Straight Arrow Connector 58"/>
+          <p:cNvCxnSpPr/>
+          <p:nvPr/>
+        </p:nvCxnSpPr>
+        <p:spPr>
+          <a:xfrm rot="10800000" flipV="1">
+            <a:off x="6896911" y="2283381"/>
+            <a:ext cx="1401556" cy="556598"/>
+          </a:xfrm>
+          <a:prstGeom prst="curvedConnector3">
+            <a:avLst>
+              <a:gd name="adj1" fmla="val 50000"/>
+            </a:avLst>
+          </a:prstGeom>
+          <a:ln w="47625">
+            <a:solidFill>
+              <a:schemeClr val="tx1"/>
+            </a:solidFill>
+            <a:prstDash val="dash"/>
+            <a:tailEnd type="triangle"/>
+          </a:ln>
+        </p:spPr>
+        <p:style>
+          <a:lnRef idx="1">
+            <a:schemeClr val="accent1"/>
+          </a:lnRef>
+          <a:fillRef idx="0">
+            <a:schemeClr val="accent1"/>
+          </a:fillRef>
+          <a:effectRef idx="0">
+            <a:schemeClr val="accent1"/>
+          </a:effectRef>
+          <a:fontRef idx="minor">
+            <a:schemeClr val="tx1"/>
+          </a:fontRef>
+        </p:style>
+      </p:cxnSp>
+      <p:grpSp>
+        <p:nvGrpSpPr>
+          <p:cNvPr id="62" name="Group 61"/>
+          <p:cNvGrpSpPr/>
+          <p:nvPr/>
+        </p:nvGrpSpPr>
+        <p:grpSpPr>
+          <a:xfrm>
+            <a:off x="9252501" y="1452464"/>
+            <a:ext cx="593387" cy="548640"/>
+            <a:chOff x="5511894" y="778213"/>
+            <a:chExt cx="593387" cy="548640"/>
+          </a:xfrm>
+        </p:grpSpPr>
+        <p:sp>
+          <p:nvSpPr>
+            <p:cNvPr id="60" name="Oval 59"/>
+            <p:cNvSpPr/>
+            <p:nvPr/>
+          </p:nvSpPr>
+          <p:spPr>
+            <a:xfrm>
+              <a:off x="5534268" y="778213"/>
+              <a:ext cx="548640" cy="548640"/>
+            </a:xfrm>
+            <a:prstGeom prst="ellipse">
+              <a:avLst/>
+            </a:prstGeom>
+            <a:solidFill>
+              <a:schemeClr val="bg1"/>
+            </a:solidFill>
+            <a:ln w="47625">
+              <a:solidFill>
+                <a:schemeClr val="tx1"/>
+              </a:solidFill>
+            </a:ln>
+          </p:spPr>
+          <p:style>
+            <a:lnRef idx="2">
+              <a:schemeClr val="accent1">
+                <a:shade val="50000"/>
+              </a:schemeClr>
+            </a:lnRef>
+            <a:fillRef idx="1">
+              <a:schemeClr val="accent1"/>
+            </a:fillRef>
+            <a:effectRef idx="0">
+              <a:schemeClr val="accent1"/>
+            </a:effectRef>
+            <a:fontRef idx="minor">
+              <a:schemeClr val="lt1"/>
+            </a:fontRef>
+          </p:style>
+          <p:txBody>
+            <a:bodyPr rtlCol="0" anchor="ctr"/>
+            <a:lstStyle/>
+            <a:p>
+              <a:pPr algn="ctr"/>
+              <a:r>
+                <a:rPr lang="en-US" altLang="zh-CN" sz="1400" dirty="0" smtClean="0"/>
+                <a:t>LRU</a:t>
+              </a:r>
+              <a:endParaRPr lang="en-US" sz="1400" dirty="0"/>
+            </a:p>
+          </p:txBody>
+        </p:sp>
+        <p:sp>
+          <p:nvSpPr>
+            <p:cNvPr id="61" name="TextBox 60"/>
+            <p:cNvSpPr txBox="1"/>
+            <p:nvPr/>
+          </p:nvSpPr>
+          <p:spPr>
+            <a:xfrm>
+              <a:off x="5511894" y="867867"/>
+              <a:ext cx="593387" cy="369332"/>
+            </a:xfrm>
+            <a:prstGeom prst="rect">
+              <a:avLst/>
+            </a:prstGeom>
+            <a:noFill/>
+          </p:spPr>
+          <p:txBody>
+            <a:bodyPr wrap="square" rtlCol="0">
+              <a:spAutoFit/>
+            </a:bodyPr>
+            <a:lstStyle/>
+            <a:p>
+              <a:r>
+                <a:rPr lang="en-US" altLang="zh-CN" b="1" i="1" dirty="0" smtClean="0"/>
+                <a:t>LRU</a:t>
+              </a:r>
+              <a:endParaRPr lang="en-US" b="1" i="1" dirty="0"/>
+            </a:p>
+          </p:txBody>
+        </p:sp>
+      </p:grpSp>
+      <p:sp>
+        <p:nvSpPr>
+          <p:cNvPr id="71" name="文本框 26"/>
+          <p:cNvSpPr txBox="1"/>
+          <p:nvPr/>
+        </p:nvSpPr>
+        <p:spPr>
+          <a:xfrm>
+            <a:off x="2250830" y="3641480"/>
+            <a:ext cx="917709" cy="369332"/>
           </a:xfrm>
           <a:prstGeom prst="rect">
             <a:avLst/>
           </a:prstGeom>
-        </p:spPr>
-      </p:pic>
+          <a:noFill/>
+        </p:spPr>
+        <p:txBody>
+          <a:bodyPr wrap="square" rtlCol="0">
+            <a:spAutoFit/>
+          </a:bodyPr>
+          <a:lstStyle/>
+          <a:p>
+            <a:r>
+              <a:rPr lang="zh-CN" altLang="en-US" b="1" dirty="0"/>
+              <a:t>客户端</a:t>
+            </a:r>
+            <a:endParaRPr lang="zh-CN" altLang="en-US" b="1" dirty="0"/>
+          </a:p>
+        </p:txBody>
+      </p:sp>
+      <p:sp>
+        <p:nvSpPr>
+          <p:cNvPr id="72" name="文本框 26"/>
+          <p:cNvSpPr txBox="1"/>
+          <p:nvPr/>
+        </p:nvSpPr>
+        <p:spPr>
+          <a:xfrm>
+            <a:off x="5635131" y="3656355"/>
+            <a:ext cx="917709" cy="369332"/>
+          </a:xfrm>
+          <a:prstGeom prst="rect">
+            <a:avLst/>
+          </a:prstGeom>
+          <a:noFill/>
+        </p:spPr>
+        <p:txBody>
+          <a:bodyPr wrap="square" rtlCol="0">
+            <a:spAutoFit/>
+          </a:bodyPr>
+          <a:lstStyle/>
+          <a:p>
+            <a:r>
+              <a:rPr lang="zh-CN" altLang="en-US" b="1" dirty="0"/>
+              <a:t>中间件</a:t>
+            </a:r>
+            <a:endParaRPr lang="zh-CN" altLang="en-US" b="1" dirty="0"/>
+          </a:p>
+        </p:txBody>
+      </p:sp>
+      <p:sp>
+        <p:nvSpPr>
+          <p:cNvPr id="73" name="文本框 26"/>
+          <p:cNvSpPr txBox="1"/>
+          <p:nvPr/>
+        </p:nvSpPr>
+        <p:spPr>
+          <a:xfrm>
+            <a:off x="5635131" y="6125295"/>
+            <a:ext cx="917709" cy="369332"/>
+          </a:xfrm>
+          <a:prstGeom prst="rect">
+            <a:avLst/>
+          </a:prstGeom>
+          <a:noFill/>
+        </p:spPr>
+        <p:txBody>
+          <a:bodyPr wrap="square" rtlCol="0">
+            <a:spAutoFit/>
+          </a:bodyPr>
+          <a:lstStyle/>
+          <a:p>
+            <a:r>
+              <a:rPr lang="zh-CN" altLang="en-US" b="1" dirty="0"/>
+              <a:t>数据块</a:t>
+            </a:r>
+            <a:endParaRPr lang="zh-CN" altLang="en-US" b="1" dirty="0"/>
+          </a:p>
+        </p:txBody>
+      </p:sp>
+      <p:sp>
+        <p:nvSpPr>
+          <p:cNvPr id="74" name="文本框 26"/>
+          <p:cNvSpPr txBox="1"/>
+          <p:nvPr/>
+        </p:nvSpPr>
+        <p:spPr>
+          <a:xfrm>
+            <a:off x="8510973" y="2933520"/>
+            <a:ext cx="1177498" cy="369332"/>
+          </a:xfrm>
+          <a:prstGeom prst="rect">
+            <a:avLst/>
+          </a:prstGeom>
+          <a:noFill/>
+        </p:spPr>
+        <p:txBody>
+          <a:bodyPr wrap="square" rtlCol="0">
+            <a:spAutoFit/>
+          </a:bodyPr>
+          <a:lstStyle/>
+          <a:p>
+            <a:r>
+              <a:rPr lang="zh-CN" altLang="en-US" b="1" dirty="0" smtClean="0"/>
+              <a:t>本地缓存</a:t>
+            </a:r>
+            <a:endParaRPr lang="zh-CN" altLang="en-US" b="1" dirty="0"/>
+          </a:p>
+        </p:txBody>
+      </p:sp>
+      <p:sp>
+        <p:nvSpPr>
+          <p:cNvPr id="75" name="文本框 29"/>
+          <p:cNvSpPr txBox="1"/>
+          <p:nvPr/>
+        </p:nvSpPr>
+        <p:spPr>
+          <a:xfrm>
+            <a:off x="8298467" y="4756146"/>
+            <a:ext cx="1602509" cy="369332"/>
+          </a:xfrm>
+          <a:prstGeom prst="rect">
+            <a:avLst/>
+          </a:prstGeom>
+          <a:noFill/>
+        </p:spPr>
+        <p:txBody>
+          <a:bodyPr wrap="square" rtlCol="0">
+            <a:spAutoFit/>
+          </a:bodyPr>
+          <a:lstStyle/>
+          <a:p>
+            <a:r>
+              <a:rPr lang="zh-CN" altLang="en-US" b="1" dirty="0"/>
+              <a:t>云</a:t>
+            </a:r>
+            <a:r>
+              <a:rPr lang="zh-CN" altLang="en-US" b="1" dirty="0" smtClean="0"/>
+              <a:t>存储服务器</a:t>
+            </a:r>
+            <a:endParaRPr lang="zh-CN" altLang="en-US" b="1" dirty="0"/>
+          </a:p>
+        </p:txBody>
+      </p:sp>
+      <p:sp>
+        <p:nvSpPr>
+          <p:cNvPr id="76" name="椭圆 32"/>
+          <p:cNvSpPr/>
+          <p:nvPr/>
+        </p:nvSpPr>
+        <p:spPr>
+          <a:xfrm>
+            <a:off x="4138047" y="2217360"/>
+            <a:ext cx="288000" cy="288000"/>
+          </a:xfrm>
+          <a:prstGeom prst="ellipse">
+            <a:avLst/>
+          </a:prstGeom>
+          <a:solidFill>
+            <a:schemeClr val="bg1"/>
+          </a:solidFill>
+          <a:ln w="25400">
+            <a:solidFill>
+              <a:schemeClr val="tx1"/>
+            </a:solidFill>
+          </a:ln>
+        </p:spPr>
+        <p:style>
+          <a:lnRef idx="2">
+            <a:schemeClr val="accent1">
+              <a:shade val="50000"/>
+            </a:schemeClr>
+          </a:lnRef>
+          <a:fillRef idx="1">
+            <a:schemeClr val="accent1"/>
+          </a:fillRef>
+          <a:effectRef idx="0">
+            <a:schemeClr val="accent1"/>
+          </a:effectRef>
+          <a:fontRef idx="minor">
+            <a:schemeClr val="lt1"/>
+          </a:fontRef>
+        </p:style>
+        <p:txBody>
+          <a:bodyPr rtlCol="0" anchor="ctr"/>
+          <a:lstStyle/>
+          <a:p>
+            <a:pPr algn="ctr"/>
+            <a:r>
+              <a:rPr lang="en-US" altLang="zh-CN" sz="1400" b="1" dirty="0" smtClean="0">
+                <a:solidFill>
+                  <a:schemeClr val="tx1"/>
+                </a:solidFill>
+              </a:rPr>
+              <a:t>1</a:t>
+            </a:r>
+            <a:endParaRPr lang="zh-CN" altLang="en-US" sz="1400" b="1" dirty="0">
+              <a:solidFill>
+                <a:schemeClr val="tx1"/>
+              </a:solidFill>
+            </a:endParaRPr>
+          </a:p>
+        </p:txBody>
+      </p:sp>
+      <p:sp>
+        <p:nvSpPr>
+          <p:cNvPr id="77" name="椭圆 32"/>
+          <p:cNvSpPr/>
+          <p:nvPr/>
+        </p:nvSpPr>
+        <p:spPr>
+          <a:xfrm>
+            <a:off x="5402004" y="4217170"/>
+            <a:ext cx="288000" cy="288000"/>
+          </a:xfrm>
+          <a:prstGeom prst="ellipse">
+            <a:avLst/>
+          </a:prstGeom>
+          <a:solidFill>
+            <a:schemeClr val="bg1"/>
+          </a:solidFill>
+          <a:ln w="25400">
+            <a:solidFill>
+              <a:schemeClr val="tx1"/>
+            </a:solidFill>
+          </a:ln>
+        </p:spPr>
+        <p:style>
+          <a:lnRef idx="2">
+            <a:schemeClr val="accent1">
+              <a:shade val="50000"/>
+            </a:schemeClr>
+          </a:lnRef>
+          <a:fillRef idx="1">
+            <a:schemeClr val="accent1"/>
+          </a:fillRef>
+          <a:effectRef idx="0">
+            <a:schemeClr val="accent1"/>
+          </a:effectRef>
+          <a:fontRef idx="minor">
+            <a:schemeClr val="lt1"/>
+          </a:fontRef>
+        </p:style>
+        <p:txBody>
+          <a:bodyPr rtlCol="0" anchor="ctr"/>
+          <a:lstStyle/>
+          <a:p>
+            <a:pPr algn="ctr"/>
+            <a:r>
+              <a:rPr lang="en-US" altLang="zh-CN" sz="1400" b="1" dirty="0">
+                <a:solidFill>
+                  <a:schemeClr val="tx1"/>
+                </a:solidFill>
+              </a:rPr>
+              <a:t>2</a:t>
+            </a:r>
+            <a:endParaRPr lang="zh-CN" altLang="en-US" sz="1400" b="1" dirty="0">
+              <a:solidFill>
+                <a:schemeClr val="tx1"/>
+              </a:solidFill>
+            </a:endParaRPr>
+          </a:p>
+        </p:txBody>
+      </p:sp>
+      <p:sp>
+        <p:nvSpPr>
+          <p:cNvPr id="78" name="椭圆 32"/>
+          <p:cNvSpPr/>
+          <p:nvPr/>
+        </p:nvSpPr>
+        <p:spPr>
+          <a:xfrm>
+            <a:off x="6473424" y="4239479"/>
+            <a:ext cx="288000" cy="288000"/>
+          </a:xfrm>
+          <a:prstGeom prst="ellipse">
+            <a:avLst/>
+          </a:prstGeom>
+          <a:solidFill>
+            <a:schemeClr val="bg1"/>
+          </a:solidFill>
+          <a:ln w="25400">
+            <a:solidFill>
+              <a:schemeClr val="tx1"/>
+            </a:solidFill>
+          </a:ln>
+        </p:spPr>
+        <p:style>
+          <a:lnRef idx="2">
+            <a:schemeClr val="accent1">
+              <a:shade val="50000"/>
+            </a:schemeClr>
+          </a:lnRef>
+          <a:fillRef idx="1">
+            <a:schemeClr val="accent1"/>
+          </a:fillRef>
+          <a:effectRef idx="0">
+            <a:schemeClr val="accent1"/>
+          </a:effectRef>
+          <a:fontRef idx="minor">
+            <a:schemeClr val="lt1"/>
+          </a:fontRef>
+        </p:style>
+        <p:txBody>
+          <a:bodyPr rtlCol="0" anchor="ctr"/>
+          <a:lstStyle/>
+          <a:p>
+            <a:pPr algn="ctr"/>
+            <a:r>
+              <a:rPr lang="en-US" altLang="zh-CN" sz="1400" b="1" dirty="0" smtClean="0">
+                <a:solidFill>
+                  <a:schemeClr val="tx1"/>
+                </a:solidFill>
+              </a:rPr>
+              <a:t>3</a:t>
+            </a:r>
+            <a:endParaRPr lang="zh-CN" altLang="en-US" sz="1400" b="1" dirty="0">
+              <a:solidFill>
+                <a:schemeClr val="tx1"/>
+              </a:solidFill>
+            </a:endParaRPr>
+          </a:p>
+        </p:txBody>
+      </p:sp>
+      <p:sp>
+        <p:nvSpPr>
+          <p:cNvPr id="79" name="椭圆 32"/>
+          <p:cNvSpPr/>
+          <p:nvPr/>
+        </p:nvSpPr>
+        <p:spPr>
+          <a:xfrm>
+            <a:off x="7433847" y="2001104"/>
+            <a:ext cx="288000" cy="288000"/>
+          </a:xfrm>
+          <a:prstGeom prst="ellipse">
+            <a:avLst/>
+          </a:prstGeom>
+          <a:solidFill>
+            <a:schemeClr val="bg1"/>
+          </a:solidFill>
+          <a:ln w="25400">
+            <a:solidFill>
+              <a:schemeClr val="tx1"/>
+            </a:solidFill>
+          </a:ln>
+        </p:spPr>
+        <p:style>
+          <a:lnRef idx="2">
+            <a:schemeClr val="accent1">
+              <a:shade val="50000"/>
+            </a:schemeClr>
+          </a:lnRef>
+          <a:fillRef idx="1">
+            <a:schemeClr val="accent1"/>
+          </a:fillRef>
+          <a:effectRef idx="0">
+            <a:schemeClr val="accent1"/>
+          </a:effectRef>
+          <a:fontRef idx="minor">
+            <a:schemeClr val="lt1"/>
+          </a:fontRef>
+        </p:style>
+        <p:txBody>
+          <a:bodyPr rtlCol="0" anchor="ctr"/>
+          <a:lstStyle/>
+          <a:p>
+            <a:pPr algn="ctr"/>
+            <a:r>
+              <a:rPr lang="en-US" altLang="zh-CN" sz="1400" b="1" dirty="0">
+                <a:solidFill>
+                  <a:schemeClr val="tx1"/>
+                </a:solidFill>
+              </a:rPr>
+              <a:t>4</a:t>
+            </a:r>
+            <a:endParaRPr lang="zh-CN" altLang="en-US" sz="1400" b="1" dirty="0">
+              <a:solidFill>
+                <a:schemeClr val="tx1"/>
+              </a:solidFill>
+            </a:endParaRPr>
+          </a:p>
+        </p:txBody>
+      </p:sp>
+      <p:sp>
+        <p:nvSpPr>
+          <p:cNvPr id="80" name="椭圆 32"/>
+          <p:cNvSpPr/>
+          <p:nvPr/>
+        </p:nvSpPr>
+        <p:spPr>
+          <a:xfrm>
+            <a:off x="7443449" y="3874661"/>
+            <a:ext cx="288000" cy="288000"/>
+          </a:xfrm>
+          <a:prstGeom prst="ellipse">
+            <a:avLst/>
+          </a:prstGeom>
+          <a:solidFill>
+            <a:schemeClr val="bg1"/>
+          </a:solidFill>
+          <a:ln w="25400">
+            <a:solidFill>
+              <a:schemeClr val="tx1"/>
+            </a:solidFill>
+          </a:ln>
+        </p:spPr>
+        <p:style>
+          <a:lnRef idx="2">
+            <a:schemeClr val="accent1">
+              <a:shade val="50000"/>
+            </a:schemeClr>
+          </a:lnRef>
+          <a:fillRef idx="1">
+            <a:schemeClr val="accent1"/>
+          </a:fillRef>
+          <a:effectRef idx="0">
+            <a:schemeClr val="accent1"/>
+          </a:effectRef>
+          <a:fontRef idx="minor">
+            <a:schemeClr val="lt1"/>
+          </a:fontRef>
+        </p:style>
+        <p:txBody>
+          <a:bodyPr rtlCol="0" anchor="ctr"/>
+          <a:lstStyle/>
+          <a:p>
+            <a:pPr algn="ctr"/>
+            <a:r>
+              <a:rPr lang="en-US" altLang="zh-CN" sz="1400" b="1" dirty="0">
+                <a:solidFill>
+                  <a:schemeClr val="tx1"/>
+                </a:solidFill>
+              </a:rPr>
+              <a:t>4</a:t>
+            </a:r>
+            <a:endParaRPr lang="zh-CN" altLang="en-US" sz="1400" b="1" dirty="0">
+              <a:solidFill>
+                <a:schemeClr val="tx1"/>
+              </a:solidFill>
+            </a:endParaRPr>
+          </a:p>
+        </p:txBody>
+      </p:sp>
+      <p:grpSp>
+        <p:nvGrpSpPr>
+          <p:cNvPr id="81" name="Group 80"/>
+          <p:cNvGrpSpPr/>
+          <p:nvPr/>
+        </p:nvGrpSpPr>
+        <p:grpSpPr>
+          <a:xfrm>
+            <a:off x="9309770" y="3564444"/>
+            <a:ext cx="593387" cy="548640"/>
+            <a:chOff x="5511894" y="721427"/>
+            <a:chExt cx="593387" cy="548640"/>
+          </a:xfrm>
+        </p:grpSpPr>
+        <p:sp>
+          <p:nvSpPr>
+            <p:cNvPr id="82" name="Oval 81"/>
+            <p:cNvSpPr/>
+            <p:nvPr/>
+          </p:nvSpPr>
+          <p:spPr>
+            <a:xfrm>
+              <a:off x="5528007" y="721427"/>
+              <a:ext cx="548640" cy="548640"/>
+            </a:xfrm>
+            <a:prstGeom prst="ellipse">
+              <a:avLst/>
+            </a:prstGeom>
+            <a:solidFill>
+              <a:schemeClr val="bg1"/>
+            </a:solidFill>
+            <a:ln w="47625">
+              <a:solidFill>
+                <a:schemeClr val="tx1"/>
+              </a:solidFill>
+            </a:ln>
+          </p:spPr>
+          <p:style>
+            <a:lnRef idx="2">
+              <a:schemeClr val="accent1">
+                <a:shade val="50000"/>
+              </a:schemeClr>
+            </a:lnRef>
+            <a:fillRef idx="1">
+              <a:schemeClr val="accent1"/>
+            </a:fillRef>
+            <a:effectRef idx="0">
+              <a:schemeClr val="accent1"/>
+            </a:effectRef>
+            <a:fontRef idx="minor">
+              <a:schemeClr val="lt1"/>
+            </a:fontRef>
+          </p:style>
+          <p:txBody>
+            <a:bodyPr rtlCol="0" anchor="ctr"/>
+            <a:lstStyle/>
+            <a:p>
+              <a:pPr algn="ctr"/>
+              <a:r>
+                <a:rPr lang="en-US" altLang="zh-CN" sz="1400" dirty="0" smtClean="0"/>
+                <a:t>LRU</a:t>
+              </a:r>
+              <a:endParaRPr lang="en-US" sz="1400" dirty="0"/>
+            </a:p>
+          </p:txBody>
+        </p:sp>
+        <p:sp>
+          <p:nvSpPr>
+            <p:cNvPr id="83" name="TextBox 82"/>
+            <p:cNvSpPr txBox="1"/>
+            <p:nvPr/>
+          </p:nvSpPr>
+          <p:spPr>
+            <a:xfrm>
+              <a:off x="5511894" y="867867"/>
+              <a:ext cx="593387" cy="307777"/>
+            </a:xfrm>
+            <a:prstGeom prst="rect">
+              <a:avLst/>
+            </a:prstGeom>
+            <a:noFill/>
+          </p:spPr>
+          <p:txBody>
+            <a:bodyPr wrap="square" rtlCol="0">
+              <a:spAutoFit/>
+            </a:bodyPr>
+            <a:lstStyle/>
+            <a:p>
+              <a:r>
+                <a:rPr lang="zh-CN" altLang="en-US" sz="1400" b="1" dirty="0"/>
+                <a:t>复制</a:t>
+              </a:r>
+              <a:endParaRPr lang="en-US" sz="1400" b="1" dirty="0"/>
+            </a:p>
+          </p:txBody>
+        </p:sp>
+      </p:grpSp>
+      <p:cxnSp>
+        <p:nvCxnSpPr>
+          <p:cNvPr id="85" name="Straight Arrow Connector 84"/>
+          <p:cNvCxnSpPr/>
+          <p:nvPr/>
+        </p:nvCxnSpPr>
+        <p:spPr>
+          <a:xfrm flipH="1">
+            <a:off x="3464923" y="3118186"/>
+            <a:ext cx="1692613" cy="0"/>
+          </a:xfrm>
+          <a:prstGeom prst="straightConnector1">
+            <a:avLst/>
+          </a:prstGeom>
+          <a:ln w="47625">
+            <a:solidFill>
+              <a:schemeClr val="tx1"/>
+            </a:solidFill>
+            <a:prstDash val="dash"/>
+            <a:tailEnd type="triangle"/>
+          </a:ln>
+        </p:spPr>
+        <p:style>
+          <a:lnRef idx="1">
+            <a:schemeClr val="accent1"/>
+          </a:lnRef>
+          <a:fillRef idx="0">
+            <a:schemeClr val="accent1"/>
+          </a:fillRef>
+          <a:effectRef idx="0">
+            <a:schemeClr val="accent1"/>
+          </a:effectRef>
+          <a:fontRef idx="minor">
+            <a:schemeClr val="tx1"/>
+          </a:fontRef>
+        </p:style>
+      </p:cxnSp>
+      <p:sp>
+        <p:nvSpPr>
+          <p:cNvPr id="86" name="椭圆 32"/>
+          <p:cNvSpPr/>
+          <p:nvPr/>
+        </p:nvSpPr>
+        <p:spPr>
+          <a:xfrm>
+            <a:off x="4120525" y="3271208"/>
+            <a:ext cx="288000" cy="288000"/>
+          </a:xfrm>
+          <a:prstGeom prst="ellipse">
+            <a:avLst/>
+          </a:prstGeom>
+          <a:solidFill>
+            <a:schemeClr val="bg1"/>
+          </a:solidFill>
+          <a:ln w="25400">
+            <a:solidFill>
+              <a:schemeClr val="tx1"/>
+            </a:solidFill>
+          </a:ln>
+        </p:spPr>
+        <p:style>
+          <a:lnRef idx="2">
+            <a:schemeClr val="accent1">
+              <a:shade val="50000"/>
+            </a:schemeClr>
+          </a:lnRef>
+          <a:fillRef idx="1">
+            <a:schemeClr val="accent1"/>
+          </a:fillRef>
+          <a:effectRef idx="0">
+            <a:schemeClr val="accent1"/>
+          </a:effectRef>
+          <a:fontRef idx="minor">
+            <a:schemeClr val="lt1"/>
+          </a:fontRef>
+        </p:style>
+        <p:txBody>
+          <a:bodyPr rtlCol="0" anchor="ctr"/>
+          <a:lstStyle/>
+          <a:p>
+            <a:pPr algn="ctr"/>
+            <a:r>
+              <a:rPr lang="en-US" altLang="zh-CN" sz="1400" b="1" dirty="0">
+                <a:solidFill>
+                  <a:schemeClr val="tx1"/>
+                </a:solidFill>
+              </a:rPr>
+              <a:t>5</a:t>
+            </a:r>
+            <a:endParaRPr lang="zh-CN" altLang="en-US" sz="1400" b="1" dirty="0">
+              <a:solidFill>
+                <a:schemeClr val="tx1"/>
+              </a:solidFill>
+            </a:endParaRPr>
+          </a:p>
+        </p:txBody>
+      </p:sp>
+      <p:cxnSp>
+        <p:nvCxnSpPr>
+          <p:cNvPr id="89" name="Straight Arrow Connector 58"/>
+          <p:cNvCxnSpPr/>
+          <p:nvPr/>
+        </p:nvCxnSpPr>
+        <p:spPr>
+          <a:xfrm rot="10800000">
+            <a:off x="6923942" y="3271208"/>
+            <a:ext cx="1362404" cy="593564"/>
+          </a:xfrm>
+          <a:prstGeom prst="curvedConnector3">
+            <a:avLst>
+              <a:gd name="adj1" fmla="val 50000"/>
+            </a:avLst>
+          </a:prstGeom>
+          <a:ln w="47625">
+            <a:solidFill>
+              <a:schemeClr val="tx1"/>
+            </a:solidFill>
+            <a:prstDash val="dash"/>
+            <a:tailEnd type="triangle"/>
+          </a:ln>
+        </p:spPr>
+        <p:style>
+          <a:lnRef idx="1">
+            <a:schemeClr val="accent1"/>
+          </a:lnRef>
+          <a:fillRef idx="0">
+            <a:schemeClr val="accent1"/>
+          </a:fillRef>
+          <a:effectRef idx="0">
+            <a:schemeClr val="accent1"/>
+          </a:effectRef>
+          <a:fontRef idx="minor">
+            <a:schemeClr val="tx1"/>
+          </a:fontRef>
+        </p:style>
+      </p:cxnSp>
     </p:spTree>
     <p:extLst>
       <p:ext uri="{BB962C8B-B14F-4D97-AF65-F5344CB8AC3E}">
@@ -4162,6 +5079,50 @@
   <p:clrMapOvr>
     <a:masterClrMapping/>
   </p:clrMapOvr>
+  <p:timing>
+    <p:tnLst>
+      <p:par>
+        <p:cTn id="1" dur="indefinite" restart="never" nodeType="tmRoot"/>
+      </p:par>
+    </p:tnLst>
+  </p:timing>
+</p:sld>
+</file>
+
+<file path=ppt/slides/slide3.xml><?xml version="1.0" encoding="utf-8"?>
+<p:sld xmlns:a="http://schemas.openxmlformats.org/drawingml/2006/main" xmlns:r="http://schemas.openxmlformats.org/officeDocument/2006/relationships" xmlns:p="http://schemas.openxmlformats.org/presentationml/2006/main">
+  <p:cSld>
+    <p:spTree>
+      <p:nvGrpSpPr>
+        <p:cNvPr id="1" name=""/>
+        <p:cNvGrpSpPr/>
+        <p:nvPr/>
+      </p:nvGrpSpPr>
+      <p:grpSpPr>
+        <a:xfrm>
+          <a:off x="0" y="0"/>
+          <a:ext cx="0" cy="0"/>
+          <a:chOff x="0" y="0"/>
+          <a:chExt cx="0" cy="0"/>
+        </a:xfrm>
+      </p:grpSpPr>
+    </p:spTree>
+    <p:extLst>
+      <p:ext uri="{BB962C8B-B14F-4D97-AF65-F5344CB8AC3E}">
+        <p14:creationId xmlns:p14="http://schemas.microsoft.com/office/powerpoint/2010/main" val="1310314606"/>
+      </p:ext>
+    </p:extLst>
+  </p:cSld>
+  <p:clrMapOvr>
+    <a:masterClrMapping/>
+  </p:clrMapOvr>
+  <p:timing>
+    <p:tnLst>
+      <p:par>
+        <p:cTn id="1" dur="indefinite" restart="never" nodeType="tmRoot"/>
+      </p:par>
+    </p:tnLst>
+  </p:timing>
 </p:sld>
 </file>
 

--- a/图/第三章-优化分析/大文件传输与断点续传01.pptx
+++ b/图/第三章-优化分析/大文件传输与断点续传01.pptx
@@ -245,7 +245,7 @@
           <a:p>
             <a:fld id="{E6A7ECF8-7CDE-4111-9C5F-BCF7837017AF}" type="datetimeFigureOut">
               <a:rPr lang="zh-CN" altLang="en-US" smtClean="0"/>
-              <a:t>2017/7/21</a:t>
+              <a:t>2017/8/3</a:t>
             </a:fld>
             <a:endParaRPr lang="zh-CN" altLang="en-US"/>
           </a:p>
@@ -415,7 +415,7 @@
           <a:p>
             <a:fld id="{E6A7ECF8-7CDE-4111-9C5F-BCF7837017AF}" type="datetimeFigureOut">
               <a:rPr lang="zh-CN" altLang="en-US" smtClean="0"/>
-              <a:t>2017/7/21</a:t>
+              <a:t>2017/8/3</a:t>
             </a:fld>
             <a:endParaRPr lang="zh-CN" altLang="en-US"/>
           </a:p>
@@ -595,7 +595,7 @@
           <a:p>
             <a:fld id="{E6A7ECF8-7CDE-4111-9C5F-BCF7837017AF}" type="datetimeFigureOut">
               <a:rPr lang="zh-CN" altLang="en-US" smtClean="0"/>
-              <a:t>2017/7/21</a:t>
+              <a:t>2017/8/3</a:t>
             </a:fld>
             <a:endParaRPr lang="zh-CN" altLang="en-US"/>
           </a:p>
@@ -765,7 +765,7 @@
           <a:p>
             <a:fld id="{E6A7ECF8-7CDE-4111-9C5F-BCF7837017AF}" type="datetimeFigureOut">
               <a:rPr lang="zh-CN" altLang="en-US" smtClean="0"/>
-              <a:t>2017/7/21</a:t>
+              <a:t>2017/8/3</a:t>
             </a:fld>
             <a:endParaRPr lang="zh-CN" altLang="en-US"/>
           </a:p>
@@ -1011,7 +1011,7 @@
           <a:p>
             <a:fld id="{E6A7ECF8-7CDE-4111-9C5F-BCF7837017AF}" type="datetimeFigureOut">
               <a:rPr lang="zh-CN" altLang="en-US" smtClean="0"/>
-              <a:t>2017/7/21</a:t>
+              <a:t>2017/8/3</a:t>
             </a:fld>
             <a:endParaRPr lang="zh-CN" altLang="en-US"/>
           </a:p>
@@ -1243,7 +1243,7 @@
           <a:p>
             <a:fld id="{E6A7ECF8-7CDE-4111-9C5F-BCF7837017AF}" type="datetimeFigureOut">
               <a:rPr lang="zh-CN" altLang="en-US" smtClean="0"/>
-              <a:t>2017/7/21</a:t>
+              <a:t>2017/8/3</a:t>
             </a:fld>
             <a:endParaRPr lang="zh-CN" altLang="en-US"/>
           </a:p>
@@ -1610,7 +1610,7 @@
           <a:p>
             <a:fld id="{E6A7ECF8-7CDE-4111-9C5F-BCF7837017AF}" type="datetimeFigureOut">
               <a:rPr lang="zh-CN" altLang="en-US" smtClean="0"/>
-              <a:t>2017/7/21</a:t>
+              <a:t>2017/8/3</a:t>
             </a:fld>
             <a:endParaRPr lang="zh-CN" altLang="en-US"/>
           </a:p>
@@ -1728,7 +1728,7 @@
           <a:p>
             <a:fld id="{E6A7ECF8-7CDE-4111-9C5F-BCF7837017AF}" type="datetimeFigureOut">
               <a:rPr lang="zh-CN" altLang="en-US" smtClean="0"/>
-              <a:t>2017/7/21</a:t>
+              <a:t>2017/8/3</a:t>
             </a:fld>
             <a:endParaRPr lang="zh-CN" altLang="en-US"/>
           </a:p>
@@ -1823,7 +1823,7 @@
           <a:p>
             <a:fld id="{E6A7ECF8-7CDE-4111-9C5F-BCF7837017AF}" type="datetimeFigureOut">
               <a:rPr lang="zh-CN" altLang="en-US" smtClean="0"/>
-              <a:t>2017/7/21</a:t>
+              <a:t>2017/8/3</a:t>
             </a:fld>
             <a:endParaRPr lang="zh-CN" altLang="en-US"/>
           </a:p>
@@ -2100,7 +2100,7 @@
           <a:p>
             <a:fld id="{E6A7ECF8-7CDE-4111-9C5F-BCF7837017AF}" type="datetimeFigureOut">
               <a:rPr lang="zh-CN" altLang="en-US" smtClean="0"/>
-              <a:t>2017/7/21</a:t>
+              <a:t>2017/8/3</a:t>
             </a:fld>
             <a:endParaRPr lang="zh-CN" altLang="en-US"/>
           </a:p>
@@ -2353,7 +2353,7 @@
           <a:p>
             <a:fld id="{E6A7ECF8-7CDE-4111-9C5F-BCF7837017AF}" type="datetimeFigureOut">
               <a:rPr lang="zh-CN" altLang="en-US" smtClean="0"/>
-              <a:t>2017/7/21</a:t>
+              <a:t>2017/8/3</a:t>
             </a:fld>
             <a:endParaRPr lang="zh-CN" altLang="en-US"/>
           </a:p>
@@ -2566,7 +2566,7 @@
           <a:p>
             <a:fld id="{E6A7ECF8-7CDE-4111-9C5F-BCF7837017AF}" type="datetimeFigureOut">
               <a:rPr lang="zh-CN" altLang="en-US" smtClean="0"/>
-              <a:t>2017/7/21</a:t>
+              <a:t>2017/8/3</a:t>
             </a:fld>
             <a:endParaRPr lang="zh-CN" altLang="en-US"/>
           </a:p>
@@ -3459,7 +3459,7 @@
         <p:spPr>
           <a:xfrm>
             <a:off x="1082801" y="3630857"/>
-            <a:ext cx="917709" cy="369332"/>
+            <a:ext cx="917709" cy="338554"/>
           </a:xfrm>
           <a:prstGeom prst="rect">
             <a:avLst/>
@@ -3473,10 +3473,10 @@
           <a:lstStyle/>
           <a:p>
             <a:r>
-              <a:rPr lang="zh-CN" altLang="en-US" b="1" dirty="0" smtClean="0"/>
+              <a:rPr lang="zh-CN" altLang="en-US" sz="1600" dirty="0" smtClean="0"/>
               <a:t>大文件</a:t>
             </a:r>
-            <a:endParaRPr lang="zh-CN" altLang="en-US" b="1" dirty="0"/>
+            <a:endParaRPr lang="zh-CN" altLang="en-US" sz="1600" dirty="0"/>
           </a:p>
         </p:txBody>
       </p:sp>
@@ -3489,7 +3489,7 @@
         <p:spPr>
           <a:xfrm>
             <a:off x="2716931" y="3145626"/>
-            <a:ext cx="917709" cy="369332"/>
+            <a:ext cx="917709" cy="338554"/>
           </a:xfrm>
           <a:prstGeom prst="rect">
             <a:avLst/>
@@ -3503,10 +3503,10 @@
           <a:lstStyle/>
           <a:p>
             <a:r>
-              <a:rPr lang="zh-CN" altLang="en-US" b="1" dirty="0" smtClean="0"/>
+              <a:rPr lang="zh-CN" altLang="en-US" sz="1600" dirty="0" smtClean="0"/>
               <a:t>文件块</a:t>
             </a:r>
-            <a:endParaRPr lang="zh-CN" altLang="en-US" b="1" dirty="0"/>
+            <a:endParaRPr lang="zh-CN" altLang="en-US" sz="1600" dirty="0"/>
           </a:p>
         </p:txBody>
       </p:sp>
@@ -3519,7 +3519,7 @@
         <p:spPr>
           <a:xfrm>
             <a:off x="4622939" y="1925043"/>
-            <a:ext cx="1194180" cy="369332"/>
+            <a:ext cx="1194180" cy="338554"/>
           </a:xfrm>
           <a:prstGeom prst="rect">
             <a:avLst/>
@@ -3533,10 +3533,10 @@
           <a:lstStyle/>
           <a:p>
             <a:r>
-              <a:rPr lang="zh-CN" altLang="en-US" b="1" dirty="0" smtClean="0"/>
+              <a:rPr lang="zh-CN" altLang="en-US" sz="1600" dirty="0" smtClean="0"/>
               <a:t>网络故障</a:t>
             </a:r>
-            <a:endParaRPr lang="zh-CN" altLang="en-US" b="1" dirty="0"/>
+            <a:endParaRPr lang="zh-CN" altLang="en-US" sz="1600" dirty="0"/>
           </a:p>
         </p:txBody>
       </p:sp>
@@ -3549,7 +3549,7 @@
         <p:spPr>
           <a:xfrm>
             <a:off x="8145083" y="3630857"/>
-            <a:ext cx="1602509" cy="369332"/>
+            <a:ext cx="1602509" cy="338554"/>
           </a:xfrm>
           <a:prstGeom prst="rect">
             <a:avLst/>
@@ -3563,14 +3563,14 @@
           <a:lstStyle/>
           <a:p>
             <a:r>
-              <a:rPr lang="zh-CN" altLang="en-US" b="1" dirty="0"/>
+              <a:rPr lang="zh-CN" altLang="en-US" sz="1600" dirty="0"/>
               <a:t>云</a:t>
             </a:r>
             <a:r>
-              <a:rPr lang="zh-CN" altLang="en-US" b="1" dirty="0" smtClean="0"/>
+              <a:rPr lang="zh-CN" altLang="en-US" sz="1600" dirty="0" smtClean="0"/>
               <a:t>存储服务器</a:t>
             </a:r>
-            <a:endParaRPr lang="zh-CN" altLang="en-US" b="1" dirty="0"/>
+            <a:endParaRPr lang="zh-CN" altLang="en-US" sz="1600" dirty="0"/>
           </a:p>
         </p:txBody>
       </p:sp>
@@ -3583,7 +3583,7 @@
         <p:spPr>
           <a:xfrm>
             <a:off x="4761174" y="5662680"/>
-            <a:ext cx="917709" cy="369332"/>
+            <a:ext cx="917709" cy="338554"/>
           </a:xfrm>
           <a:prstGeom prst="rect">
             <a:avLst/>
@@ -3597,7 +3597,7 @@
           <a:lstStyle/>
           <a:p>
             <a:r>
-              <a:rPr lang="zh-CN" altLang="en-US" b="1" dirty="0"/>
+              <a:rPr lang="zh-CN" altLang="en-US" sz="1600" dirty="0"/>
               <a:t>数据库</a:t>
             </a:r>
           </a:p>
@@ -3620,7 +3620,7 @@
           <a:solidFill>
             <a:schemeClr val="bg1"/>
           </a:solidFill>
-          <a:ln w="25400">
+          <a:ln w="12700">
             <a:solidFill>
               <a:schemeClr val="tx1"/>
             </a:solidFill>
@@ -3648,14 +3648,14 @@
           <a:p>
             <a:pPr algn="ctr"/>
             <a:r>
-              <a:rPr lang="en-US" altLang="zh-CN" sz="1400" b="1" dirty="0" smtClean="0">
+              <a:rPr lang="en-US" altLang="zh-CN" sz="1400" dirty="0" smtClean="0">
                 <a:solidFill>
                   <a:schemeClr val="tx1"/>
                 </a:solidFill>
               </a:rPr>
               <a:t>1</a:t>
             </a:r>
-            <a:endParaRPr lang="zh-CN" altLang="en-US" sz="1400" b="1" dirty="0">
+            <a:endParaRPr lang="zh-CN" altLang="en-US" sz="1400" dirty="0">
               <a:solidFill>
                 <a:schemeClr val="tx1"/>
               </a:solidFill>
@@ -3680,7 +3680,7 @@
           <a:solidFill>
             <a:schemeClr val="bg1"/>
           </a:solidFill>
-          <a:ln w="25400">
+          <a:ln w="12700">
             <a:solidFill>
               <a:schemeClr val="tx1"/>
             </a:solidFill>
@@ -3708,14 +3708,14 @@
           <a:p>
             <a:pPr algn="ctr"/>
             <a:r>
-              <a:rPr lang="en-US" altLang="zh-CN" sz="1400" b="1" dirty="0">
+              <a:rPr lang="en-US" altLang="zh-CN" sz="1400" dirty="0">
                 <a:solidFill>
                   <a:schemeClr val="tx1"/>
                 </a:solidFill>
               </a:rPr>
               <a:t>2</a:t>
             </a:r>
-            <a:endParaRPr lang="zh-CN" altLang="en-US" sz="1400" b="1" dirty="0">
+            <a:endParaRPr lang="zh-CN" altLang="en-US" sz="1400" dirty="0">
               <a:solidFill>
                 <a:schemeClr val="tx1"/>
               </a:solidFill>
@@ -3740,7 +3740,7 @@
           <a:solidFill>
             <a:schemeClr val="bg1"/>
           </a:solidFill>
-          <a:ln w="25400">
+          <a:ln w="12700">
             <a:solidFill>
               <a:schemeClr val="tx1"/>
             </a:solidFill>
@@ -3768,14 +3768,14 @@
           <a:p>
             <a:pPr algn="ctr"/>
             <a:r>
-              <a:rPr lang="en-US" altLang="zh-CN" sz="1400" b="1" dirty="0">
+              <a:rPr lang="en-US" altLang="zh-CN" sz="1400" dirty="0">
                 <a:solidFill>
                   <a:schemeClr val="tx1"/>
                 </a:solidFill>
               </a:rPr>
               <a:t>3</a:t>
             </a:r>
-            <a:endParaRPr lang="zh-CN" altLang="en-US" sz="1400" b="1" dirty="0">
+            <a:endParaRPr lang="zh-CN" altLang="en-US" sz="1400" dirty="0">
               <a:solidFill>
                 <a:schemeClr val="tx1"/>
               </a:solidFill>
@@ -3800,7 +3800,7 @@
           <a:solidFill>
             <a:schemeClr val="bg1"/>
           </a:solidFill>
-          <a:ln w="25400">
+          <a:ln w="12700">
             <a:solidFill>
               <a:schemeClr val="tx1"/>
             </a:solidFill>
@@ -3828,14 +3828,14 @@
           <a:p>
             <a:pPr algn="ctr"/>
             <a:r>
-              <a:rPr lang="en-US" altLang="zh-CN" sz="1400" b="1" dirty="0">
+              <a:rPr lang="en-US" altLang="zh-CN" sz="1400" dirty="0">
                 <a:solidFill>
                   <a:schemeClr val="tx1"/>
                 </a:solidFill>
               </a:rPr>
               <a:t>4</a:t>
             </a:r>
-            <a:endParaRPr lang="zh-CN" altLang="en-US" sz="1400" b="1" dirty="0">
+            <a:endParaRPr lang="zh-CN" altLang="en-US" sz="1400" dirty="0">
               <a:solidFill>
                 <a:schemeClr val="tx1"/>
               </a:solidFill>
@@ -3857,7 +3857,7 @@
           <a:prstGeom prst="arc">
             <a:avLst/>
           </a:prstGeom>
-          <a:ln w="47625">
+          <a:ln w="12700">
             <a:solidFill>
               <a:schemeClr val="tx1"/>
             </a:solidFill>
@@ -3905,7 +3905,7 @@
           <a:solidFill>
             <a:schemeClr val="bg1"/>
           </a:solidFill>
-          <a:ln w="25400">
+          <a:ln w="12700">
             <a:solidFill>
               <a:schemeClr val="tx1"/>
             </a:solidFill>
@@ -3933,14 +3933,14 @@
           <a:p>
             <a:pPr algn="ctr"/>
             <a:r>
-              <a:rPr lang="en-US" altLang="zh-CN" sz="1400" b="1" dirty="0" smtClean="0">
+              <a:rPr lang="en-US" altLang="zh-CN" sz="1400" dirty="0">
                 <a:solidFill>
                   <a:schemeClr val="tx1"/>
                 </a:solidFill>
               </a:rPr>
               <a:t>5</a:t>
             </a:r>
-            <a:endParaRPr lang="zh-CN" altLang="en-US" sz="1400" b="1" dirty="0">
+            <a:endParaRPr lang="zh-CN" altLang="en-US" sz="1400" dirty="0">
               <a:solidFill>
                 <a:schemeClr val="tx1"/>
               </a:solidFill>
@@ -4408,7 +4408,6 @@
               <a:rPr lang="zh-CN" altLang="en-US" b="1" dirty="0"/>
               <a:t>客户端</a:t>
             </a:r>
-            <a:endParaRPr lang="zh-CN" altLang="en-US" b="1" dirty="0"/>
           </a:p>
         </p:txBody>
       </p:sp>
@@ -4421,7 +4420,7 @@
         <p:spPr>
           <a:xfrm>
             <a:off x="5635131" y="3656355"/>
-            <a:ext cx="917709" cy="369332"/>
+            <a:ext cx="917709" cy="338554"/>
           </a:xfrm>
           <a:prstGeom prst="rect">
             <a:avLst/>
@@ -4435,10 +4434,9 @@
           <a:lstStyle/>
           <a:p>
             <a:r>
-              <a:rPr lang="zh-CN" altLang="en-US" b="1" dirty="0"/>
+              <a:rPr lang="zh-CN" altLang="en-US" sz="1600" dirty="0"/>
               <a:t>中间件</a:t>
             </a:r>
-            <a:endParaRPr lang="zh-CN" altLang="en-US" b="1" dirty="0"/>
           </a:p>
         </p:txBody>
       </p:sp>
@@ -4468,7 +4466,6 @@
               <a:rPr lang="zh-CN" altLang="en-US" b="1" dirty="0"/>
               <a:t>数据块</a:t>
             </a:r>
-            <a:endParaRPr lang="zh-CN" altLang="en-US" b="1" dirty="0"/>
           </a:p>
         </p:txBody>
       </p:sp>
